--- a/PPT/DatabaseLecture_3.pptx
+++ b/PPT/DatabaseLecture_3.pptx
@@ -164,6 +164,22 @@
       </a:defRPr>
     </a:lvl9pPr>
   </p:defaultTextStyle>
+  <p:extLst>
+    <p:ext uri="{EFAFB233-063F-42B5-8137-9DF3F51BA10A}">
+      <p15:sldGuideLst xmlns:p15="http://schemas.microsoft.com/office/powerpoint/2012/main">
+        <p15:guide id="1" orient="horz" pos="2160">
+          <p15:clr>
+            <a:srgbClr val="A4A3A4"/>
+          </p15:clr>
+        </p15:guide>
+        <p15:guide id="2" pos="2880">
+          <p15:clr>
+            <a:srgbClr val="A4A3A4"/>
+          </p15:clr>
+        </p15:guide>
+      </p15:sldGuideLst>
+    </p:ext>
+  </p:extLst>
 </p:presentation>
 </file>
 
@@ -438,35 +454,35 @@
           <a:p>
             <a:pPr lvl="0"/>
             <a:r>
-              <a:rPr lang="zh-TW" altLang="en-US" smtClean="0"/>
+              <a:rPr lang="zh-TW" altLang="en-US"/>
               <a:t>按一下以編輯母片</a:t>
             </a:r>
           </a:p>
           <a:p>
             <a:pPr lvl="1"/>
             <a:r>
-              <a:rPr lang="zh-TW" altLang="en-US" smtClean="0"/>
+              <a:rPr lang="zh-TW" altLang="en-US"/>
               <a:t>第二層</a:t>
             </a:r>
           </a:p>
           <a:p>
             <a:pPr lvl="2"/>
             <a:r>
-              <a:rPr lang="zh-TW" altLang="en-US" smtClean="0"/>
+              <a:rPr lang="zh-TW" altLang="en-US"/>
               <a:t>第三層</a:t>
             </a:r>
           </a:p>
           <a:p>
             <a:pPr lvl="3"/>
             <a:r>
-              <a:rPr lang="zh-TW" altLang="en-US" smtClean="0"/>
+              <a:rPr lang="zh-TW" altLang="en-US"/>
               <a:t>第四層</a:t>
             </a:r>
           </a:p>
           <a:p>
             <a:pPr lvl="4"/>
             <a:r>
-              <a:rPr lang="zh-TW" altLang="en-US" smtClean="0"/>
+              <a:rPr lang="zh-TW" altLang="en-US"/>
               <a:t>第五層</a:t>
             </a:r>
           </a:p>
@@ -906,7 +922,30 @@
           <a:bodyPr/>
           <a:lstStyle/>
           <a:p>
-            <a:endParaRPr lang="zh-TW" altLang="zh-TW"/>
+            <a:r>
+              <a:rPr lang="zh-TW" altLang="en-US" dirty="0"/>
+              <a:t>這張表 不會有同名的人 可是會有</a:t>
+            </a:r>
+            <a:r>
+              <a:rPr lang="en-US" altLang="zh-TW" dirty="0"/>
+              <a:t>null</a:t>
+            </a:r>
+            <a:r>
+              <a:rPr lang="zh-TW" altLang="en-US" dirty="0"/>
+              <a:t>的</a:t>
+            </a:r>
+            <a:endParaRPr lang="en-US" altLang="zh-TW" dirty="0"/>
+          </a:p>
+          <a:p>
+            <a:r>
+              <a:rPr lang="en-US" altLang="zh-TW" dirty="0"/>
+              <a:t>Null </a:t>
+            </a:r>
+            <a:r>
+              <a:rPr lang="zh-TW" altLang="en-US" dirty="0"/>
+              <a:t>不能當主見</a:t>
+            </a:r>
+            <a:endParaRPr lang="en-US" altLang="zh-TW" dirty="0"/>
           </a:p>
         </p:txBody>
       </p:sp>
@@ -1074,7 +1113,11 @@
           <a:bodyPr/>
           <a:lstStyle/>
           <a:p>
-            <a:endParaRPr lang="zh-TW" altLang="zh-TW"/>
+            <a:r>
+              <a:rPr lang="zh-TW" altLang="en-US" dirty="0"/>
+              <a:t>主件可以市多個欄位</a:t>
+            </a:r>
+            <a:endParaRPr lang="zh-TW" altLang="zh-TW" dirty="0"/>
           </a:p>
         </p:txBody>
       </p:sp>
@@ -1158,7 +1201,15 @@
           <a:bodyPr/>
           <a:lstStyle/>
           <a:p>
-            <a:endParaRPr lang="zh-TW" altLang="zh-TW"/>
+            <a:r>
+              <a:rPr lang="zh-TW" altLang="en-US" dirty="0"/>
+              <a:t>主見 會自動設</a:t>
+            </a:r>
+            <a:r>
+              <a:rPr lang="en-US" altLang="zh-TW" dirty="0"/>
+              <a:t>index</a:t>
+            </a:r>
+            <a:endParaRPr lang="zh-TW" altLang="zh-TW" dirty="0"/>
           </a:p>
         </p:txBody>
       </p:sp>
@@ -1242,7 +1293,33 @@
           <a:bodyPr/>
           <a:lstStyle/>
           <a:p>
-            <a:endParaRPr lang="zh-TW" altLang="zh-TW"/>
+            <a:r>
+              <a:rPr lang="zh-TW" altLang="en-US" dirty="0"/>
+              <a:t>只能有一個</a:t>
+            </a:r>
+            <a:r>
+              <a:rPr lang="en-US" altLang="zh-TW" dirty="0"/>
+              <a:t>primary</a:t>
+            </a:r>
+            <a:r>
+              <a:rPr lang="zh-TW" altLang="en-US" dirty="0"/>
+              <a:t> </a:t>
+            </a:r>
+            <a:r>
+              <a:rPr lang="en-US" altLang="zh-TW" dirty="0"/>
+              <a:t>key</a:t>
+            </a:r>
+            <a:r>
+              <a:rPr lang="zh-TW" altLang="en-US" dirty="0"/>
+              <a:t> 可以有多個 </a:t>
+            </a:r>
+            <a:r>
+              <a:rPr lang="en-US" altLang="zh-TW" dirty="0"/>
+              <a:t>unique</a:t>
+            </a:r>
+          </a:p>
+          <a:p>
+            <a:endParaRPr lang="zh-TW" altLang="zh-TW" dirty="0"/>
           </a:p>
         </p:txBody>
       </p:sp>
@@ -1410,7 +1487,23 @@
           <a:bodyPr/>
           <a:lstStyle/>
           <a:p>
-            <a:endParaRPr lang="zh-TW" altLang="zh-TW"/>
+            <a:r>
+              <a:rPr lang="en-US" altLang="zh-TW" dirty="0"/>
+              <a:t> </a:t>
+            </a:r>
+            <a:r>
+              <a:rPr lang="en-US" altLang="zh-TW" sz="1200" dirty="0">
+                <a:latin typeface="Courier New" pitchFamily="49" charset="0"/>
+              </a:rPr>
+              <a:t>DEFAULT</a:t>
+            </a:r>
+            <a:r>
+              <a:rPr lang="zh-TW" altLang="en-US" sz="1200" dirty="0">
+                <a:latin typeface="Courier New" pitchFamily="49" charset="0"/>
+              </a:rPr>
+              <a:t>類是初始的功能</a:t>
+            </a:r>
+            <a:endParaRPr lang="zh-TW" altLang="zh-TW" dirty="0"/>
           </a:p>
         </p:txBody>
       </p:sp>
@@ -1662,7 +1755,11 @@
           <a:bodyPr/>
           <a:lstStyle/>
           <a:p>
-            <a:endParaRPr lang="zh-TW" altLang="zh-TW"/>
+            <a:r>
+              <a:rPr lang="zh-TW" altLang="en-US" dirty="0"/>
+              <a:t>新增一個 欄位</a:t>
+            </a:r>
+            <a:endParaRPr lang="zh-TW" altLang="zh-TW" dirty="0"/>
           </a:p>
         </p:txBody>
       </p:sp>
@@ -1830,7 +1927,11 @@
           <a:bodyPr/>
           <a:lstStyle/>
           <a:p>
-            <a:endParaRPr lang="zh-TW" altLang="zh-TW"/>
+            <a:r>
+              <a:rPr lang="zh-TW" altLang="en-US" dirty="0"/>
+              <a:t>刪除某個欄位</a:t>
+            </a:r>
+            <a:endParaRPr lang="zh-TW" altLang="zh-TW" dirty="0"/>
           </a:p>
         </p:txBody>
       </p:sp>
@@ -1914,7 +2015,40 @@
           <a:bodyPr/>
           <a:lstStyle/>
           <a:p>
-            <a:endParaRPr lang="zh-TW" altLang="zh-TW"/>
+            <a:r>
+              <a:rPr lang="zh-TW" altLang="en-US" dirty="0"/>
+              <a:t>將查出來的表而且會很常使用到 暫時存在</a:t>
+            </a:r>
+            <a:r>
+              <a:rPr lang="en-US" altLang="zh-TW" dirty="0"/>
+              <a:t>view</a:t>
+            </a:r>
+            <a:r>
+              <a:rPr lang="zh-TW" altLang="en-US" dirty="0"/>
+              <a:t>裡面  </a:t>
+            </a:r>
+            <a:endParaRPr lang="en-US" altLang="zh-TW" dirty="0"/>
+          </a:p>
+          <a:p>
+            <a:r>
+              <a:rPr lang="zh-TW" altLang="en-US" dirty="0"/>
+              <a:t>有點像是</a:t>
+            </a:r>
+            <a:r>
+              <a:rPr lang="en-US" altLang="zh-TW" dirty="0" err="1"/>
+              <a:t>c++</a:t>
+            </a:r>
+            <a:r>
+              <a:rPr lang="zh-TW" altLang="en-US" dirty="0"/>
+              <a:t> 的</a:t>
+            </a:r>
+            <a:r>
+              <a:rPr lang="en-US" altLang="zh-TW" dirty="0"/>
+              <a:t>temp</a:t>
+            </a:r>
+          </a:p>
+          <a:p>
+            <a:endParaRPr lang="zh-TW" altLang="zh-TW" dirty="0"/>
           </a:p>
         </p:txBody>
       </p:sp>
@@ -2082,7 +2216,22 @@
           <a:bodyPr/>
           <a:lstStyle/>
           <a:p>
-            <a:endParaRPr lang="zh-TW" altLang="zh-TW"/>
+            <a:r>
+              <a:rPr lang="en-US" altLang="zh-TW" dirty="0"/>
+              <a:t>View</a:t>
+            </a:r>
+            <a:r>
+              <a:rPr lang="zh-TW" altLang="en-US" dirty="0"/>
+              <a:t> 不能做更改</a:t>
+            </a:r>
+            <a:endParaRPr lang="en-US" altLang="zh-TW" dirty="0"/>
+          </a:p>
+          <a:p>
+            <a:r>
+              <a:rPr lang="zh-TW" altLang="en-US" dirty="0"/>
+              <a:t>如果要更改 要去更改原本的表</a:t>
+            </a:r>
+            <a:endParaRPr lang="zh-TW" altLang="zh-TW" dirty="0"/>
           </a:p>
         </p:txBody>
       </p:sp>
@@ -2166,7 +2315,50 @@
           <a:bodyPr/>
           <a:lstStyle/>
           <a:p>
-            <a:endParaRPr lang="zh-TW" altLang="zh-TW"/>
+            <a:r>
+              <a:rPr lang="zh-TW" altLang="en-US" dirty="0"/>
+              <a:t>修改原本的表單 </a:t>
+            </a:r>
+            <a:endParaRPr lang="en-US" altLang="zh-TW" dirty="0"/>
+          </a:p>
+          <a:p>
+            <a:r>
+              <a:rPr lang="en-US" altLang="zh-TW" dirty="0"/>
+              <a:t>View</a:t>
+            </a:r>
+            <a:r>
+              <a:rPr lang="zh-TW" altLang="en-US" dirty="0"/>
+              <a:t> 裡面的值不會更改</a:t>
+            </a:r>
+            <a:endParaRPr lang="en-US" altLang="zh-TW" dirty="0"/>
+          </a:p>
+          <a:p>
+            <a:r>
+              <a:rPr lang="zh-TW" altLang="en-US" dirty="0"/>
+              <a:t>要重下指令 </a:t>
+            </a:r>
+            <a:r>
+              <a:rPr lang="en-US" altLang="zh-TW" dirty="0"/>
+              <a:t>view</a:t>
+            </a:r>
+            <a:r>
+              <a:rPr lang="zh-TW" altLang="en-US" dirty="0"/>
+              <a:t> 才會更改 </a:t>
+            </a:r>
+            <a:endParaRPr lang="en-US" altLang="zh-TW" dirty="0"/>
+          </a:p>
+          <a:p>
+            <a:r>
+              <a:rPr lang="zh-TW" altLang="en-US" dirty="0"/>
+              <a:t>並不會自動更新</a:t>
+            </a:r>
+            <a:r>
+              <a:rPr lang="en-US" altLang="zh-TW" dirty="0"/>
+              <a:t>view</a:t>
+            </a:r>
+          </a:p>
+          <a:p>
+            <a:endParaRPr lang="zh-TW" altLang="zh-TW" dirty="0"/>
           </a:p>
         </p:txBody>
       </p:sp>
@@ -2754,7 +2946,34 @@
           <a:bodyPr/>
           <a:lstStyle/>
           <a:p>
-            <a:endParaRPr lang="zh-TW" altLang="zh-TW"/>
+            <a:r>
+              <a:rPr lang="en-US" altLang="zh-TW" dirty="0"/>
+              <a:t>Char (n) =&gt; </a:t>
+            </a:r>
+            <a:r>
+              <a:rPr lang="zh-TW" altLang="en-US" dirty="0"/>
+              <a:t>記憶體會給</a:t>
+            </a:r>
+            <a:r>
+              <a:rPr lang="en-US" altLang="zh-TW" dirty="0"/>
+              <a:t>n</a:t>
+            </a:r>
+            <a:r>
+              <a:rPr lang="zh-TW" altLang="en-US" dirty="0"/>
+              <a:t>個位子  沒用完也會保留 但是維護起來會比較快</a:t>
+            </a:r>
+            <a:endParaRPr lang="en-US" altLang="zh-TW" dirty="0"/>
+          </a:p>
+          <a:p>
+            <a:r>
+              <a:rPr lang="en-US" altLang="zh-TW" dirty="0"/>
+              <a:t>Varchar(n) =&gt; </a:t>
+            </a:r>
+            <a:r>
+              <a:rPr lang="zh-TW" altLang="en-US" dirty="0"/>
+              <a:t>用多少給多少 維護起來比較慢</a:t>
+            </a:r>
+            <a:endParaRPr lang="zh-TW" altLang="zh-TW" dirty="0"/>
           </a:p>
         </p:txBody>
       </p:sp>
@@ -3090,7 +3309,72 @@
           <a:bodyPr/>
           <a:lstStyle/>
           <a:p>
-            <a:endParaRPr lang="zh-TW" altLang="zh-TW"/>
+            <a:r>
+              <a:rPr lang="en-US" altLang="zh-TW" dirty="0"/>
+              <a:t>Primary key </a:t>
+            </a:r>
+            <a:r>
+              <a:rPr lang="zh-TW" altLang="en-US" dirty="0"/>
+              <a:t>主見 </a:t>
+            </a:r>
+            <a:r>
+              <a:rPr lang="en-US" altLang="zh-TW" dirty="0"/>
+              <a:t>=&gt;</a:t>
+            </a:r>
+            <a:r>
+              <a:rPr lang="zh-TW" altLang="en-US" dirty="0"/>
+              <a:t> 每個</a:t>
+            </a:r>
+            <a:r>
+              <a:rPr lang="en-US" altLang="zh-TW" dirty="0"/>
+              <a:t>tuple</a:t>
+            </a:r>
+            <a:r>
+              <a:rPr lang="zh-TW" altLang="en-US" dirty="0"/>
+              <a:t>的值都要不一樣 比如說 輔仁大學的學生學號 不允許</a:t>
+            </a:r>
+            <a:r>
+              <a:rPr lang="en-US" altLang="zh-TW" dirty="0"/>
+              <a:t>NULL</a:t>
+            </a:r>
+          </a:p>
+          <a:p>
+            <a:r>
+              <a:rPr lang="en-US" altLang="zh-TW" dirty="0"/>
+              <a:t>UNIQUE</a:t>
+            </a:r>
+            <a:r>
+              <a:rPr lang="zh-TW" altLang="en-US" dirty="0"/>
+              <a:t> </a:t>
+            </a:r>
+            <a:r>
+              <a:rPr lang="en-US" altLang="zh-TW" dirty="0"/>
+              <a:t>=&gt;</a:t>
+            </a:r>
+            <a:r>
+              <a:rPr lang="zh-TW" altLang="en-US" dirty="0"/>
+              <a:t>每個</a:t>
+            </a:r>
+            <a:r>
+              <a:rPr lang="en-US" altLang="zh-TW" dirty="0"/>
+              <a:t>tuple</a:t>
+            </a:r>
+            <a:r>
+              <a:rPr lang="zh-TW" altLang="en-US" dirty="0"/>
+              <a:t>的值都要不一樣 可以有</a:t>
+            </a:r>
+            <a:r>
+              <a:rPr lang="en-US" altLang="zh-TW" dirty="0"/>
+              <a:t>NULL</a:t>
+            </a:r>
+            <a:r>
+              <a:rPr lang="zh-TW" altLang="en-US" dirty="0"/>
+              <a:t> </a:t>
+            </a:r>
+            <a:endParaRPr lang="en-US" altLang="zh-TW" dirty="0"/>
+          </a:p>
+          <a:p>
+            <a:endParaRPr lang="zh-TW" altLang="zh-TW" dirty="0"/>
           </a:p>
         </p:txBody>
       </p:sp>
@@ -3147,7 +3431,7 @@
           <a:p>
             <a:pPr lvl="0"/>
             <a:r>
-              <a:rPr lang="en-US" altLang="zh-TW" noProof="0" smtClean="0"/>
+              <a:rPr lang="en-US" altLang="zh-TW" noProof="0"/>
               <a:t>Click to edit Master subtitle style</a:t>
             </a:r>
           </a:p>
@@ -3272,7 +3556,7 @@
           <a:p>
             <a:pPr lvl="0"/>
             <a:r>
-              <a:rPr lang="en-US" altLang="zh-TW" noProof="0" smtClean="0"/>
+              <a:rPr lang="en-US" altLang="zh-TW" noProof="0"/>
               <a:t>Click to edit Master title style</a:t>
             </a:r>
           </a:p>
@@ -3319,10 +3603,9 @@
           <a:lstStyle/>
           <a:p>
             <a:r>
-              <a:rPr lang="zh-TW" altLang="en-US" smtClean="0"/>
+              <a:rPr lang="zh-TW" altLang="en-US"/>
               <a:t>按一下以編輯母片標題樣式</a:t>
             </a:r>
-            <a:endParaRPr lang="zh-TW" altLang="en-US"/>
           </a:p>
         </p:txBody>
       </p:sp>
@@ -3343,38 +3626,37 @@
           <a:p>
             <a:pPr lvl="0"/>
             <a:r>
-              <a:rPr lang="zh-TW" altLang="en-US" smtClean="0"/>
+              <a:rPr lang="zh-TW" altLang="en-US"/>
               <a:t>按一下以編輯母片文字樣式</a:t>
             </a:r>
           </a:p>
           <a:p>
             <a:pPr lvl="1"/>
             <a:r>
-              <a:rPr lang="zh-TW" altLang="en-US" smtClean="0"/>
+              <a:rPr lang="zh-TW" altLang="en-US"/>
               <a:t>第二層</a:t>
             </a:r>
           </a:p>
           <a:p>
             <a:pPr lvl="2"/>
             <a:r>
-              <a:rPr lang="zh-TW" altLang="en-US" smtClean="0"/>
+              <a:rPr lang="zh-TW" altLang="en-US"/>
               <a:t>第三層</a:t>
             </a:r>
           </a:p>
           <a:p>
             <a:pPr lvl="3"/>
             <a:r>
-              <a:rPr lang="zh-TW" altLang="en-US" smtClean="0"/>
+              <a:rPr lang="zh-TW" altLang="en-US"/>
               <a:t>第四層</a:t>
             </a:r>
           </a:p>
           <a:p>
             <a:pPr lvl="4"/>
             <a:r>
-              <a:rPr lang="zh-TW" altLang="en-US" smtClean="0"/>
+              <a:rPr lang="zh-TW" altLang="en-US"/>
               <a:t>第五層</a:t>
             </a:r>
-            <a:endParaRPr lang="zh-TW" altLang="en-US"/>
           </a:p>
         </p:txBody>
       </p:sp>
@@ -3503,10 +3785,9 @@
           <a:lstStyle/>
           <a:p>
             <a:r>
-              <a:rPr lang="zh-TW" altLang="en-US" smtClean="0"/>
+              <a:rPr lang="zh-TW" altLang="en-US"/>
               <a:t>按一下以編輯母片標題樣式</a:t>
             </a:r>
-            <a:endParaRPr lang="zh-TW" altLang="en-US"/>
           </a:p>
         </p:txBody>
       </p:sp>
@@ -3532,38 +3813,37 @@
           <a:p>
             <a:pPr lvl="0"/>
             <a:r>
-              <a:rPr lang="zh-TW" altLang="en-US" smtClean="0"/>
+              <a:rPr lang="zh-TW" altLang="en-US"/>
               <a:t>按一下以編輯母片文字樣式</a:t>
             </a:r>
           </a:p>
           <a:p>
             <a:pPr lvl="1"/>
             <a:r>
-              <a:rPr lang="zh-TW" altLang="en-US" smtClean="0"/>
+              <a:rPr lang="zh-TW" altLang="en-US"/>
               <a:t>第二層</a:t>
             </a:r>
           </a:p>
           <a:p>
             <a:pPr lvl="2"/>
             <a:r>
-              <a:rPr lang="zh-TW" altLang="en-US" smtClean="0"/>
+              <a:rPr lang="zh-TW" altLang="en-US"/>
               <a:t>第三層</a:t>
             </a:r>
           </a:p>
           <a:p>
             <a:pPr lvl="3"/>
             <a:r>
-              <a:rPr lang="zh-TW" altLang="en-US" smtClean="0"/>
+              <a:rPr lang="zh-TW" altLang="en-US"/>
               <a:t>第四層</a:t>
             </a:r>
           </a:p>
           <a:p>
             <a:pPr lvl="4"/>
             <a:r>
-              <a:rPr lang="zh-TW" altLang="en-US" smtClean="0"/>
+              <a:rPr lang="zh-TW" altLang="en-US"/>
               <a:t>第五層</a:t>
             </a:r>
-            <a:endParaRPr lang="zh-TW" altLang="en-US"/>
           </a:p>
         </p:txBody>
       </p:sp>
@@ -3687,10 +3967,9 @@
           <a:lstStyle/>
           <a:p>
             <a:r>
-              <a:rPr lang="zh-TW" altLang="en-US" smtClean="0"/>
+              <a:rPr lang="zh-TW" altLang="en-US"/>
               <a:t>按一下以編輯母片標題樣式</a:t>
             </a:r>
-            <a:endParaRPr lang="zh-TW" altLang="en-US"/>
           </a:p>
         </p:txBody>
       </p:sp>
@@ -3711,38 +3990,37 @@
           <a:p>
             <a:pPr lvl="0"/>
             <a:r>
-              <a:rPr lang="zh-TW" altLang="en-US" smtClean="0"/>
+              <a:rPr lang="zh-TW" altLang="en-US"/>
               <a:t>按一下以編輯母片文字樣式</a:t>
             </a:r>
           </a:p>
           <a:p>
             <a:pPr lvl="1"/>
             <a:r>
-              <a:rPr lang="zh-TW" altLang="en-US" smtClean="0"/>
+              <a:rPr lang="zh-TW" altLang="en-US"/>
               <a:t>第二層</a:t>
             </a:r>
           </a:p>
           <a:p>
             <a:pPr lvl="2"/>
             <a:r>
-              <a:rPr lang="zh-TW" altLang="en-US" smtClean="0"/>
+              <a:rPr lang="zh-TW" altLang="en-US"/>
               <a:t>第三層</a:t>
             </a:r>
           </a:p>
           <a:p>
             <a:pPr lvl="3"/>
             <a:r>
-              <a:rPr lang="zh-TW" altLang="en-US" smtClean="0"/>
+              <a:rPr lang="zh-TW" altLang="en-US"/>
               <a:t>第四層</a:t>
             </a:r>
           </a:p>
           <a:p>
             <a:pPr lvl="4"/>
             <a:r>
-              <a:rPr lang="zh-TW" altLang="en-US" smtClean="0"/>
+              <a:rPr lang="zh-TW" altLang="en-US"/>
               <a:t>第五層</a:t>
             </a:r>
-            <a:endParaRPr lang="zh-TW" altLang="en-US"/>
           </a:p>
         </p:txBody>
       </p:sp>
@@ -3875,10 +4153,9 @@
           </a:lstStyle>
           <a:p>
             <a:r>
-              <a:rPr lang="zh-TW" altLang="en-US" smtClean="0"/>
+              <a:rPr lang="zh-TW" altLang="en-US"/>
               <a:t>按一下以編輯母片標題樣式</a:t>
             </a:r>
-            <a:endParaRPr lang="zh-TW" altLang="en-US"/>
           </a:p>
         </p:txBody>
       </p:sp>
@@ -3941,7 +4218,7 @@
           <a:p>
             <a:pPr lvl="0"/>
             <a:r>
-              <a:rPr lang="zh-TW" altLang="en-US" smtClean="0"/>
+              <a:rPr lang="zh-TW" altLang="en-US"/>
               <a:t>按一下以編輯母片文字樣式</a:t>
             </a:r>
           </a:p>
@@ -4067,10 +4344,9 @@
           <a:lstStyle/>
           <a:p>
             <a:r>
-              <a:rPr lang="zh-TW" altLang="en-US" smtClean="0"/>
+              <a:rPr lang="zh-TW" altLang="en-US"/>
               <a:t>按一下以編輯母片標題樣式</a:t>
             </a:r>
-            <a:endParaRPr lang="zh-TW" altLang="en-US"/>
           </a:p>
         </p:txBody>
       </p:sp>
@@ -4124,38 +4400,37 @@
           <a:p>
             <a:pPr lvl="0"/>
             <a:r>
-              <a:rPr lang="zh-TW" altLang="en-US" smtClean="0"/>
+              <a:rPr lang="zh-TW" altLang="en-US"/>
               <a:t>按一下以編輯母片文字樣式</a:t>
             </a:r>
           </a:p>
           <a:p>
             <a:pPr lvl="1"/>
             <a:r>
-              <a:rPr lang="zh-TW" altLang="en-US" smtClean="0"/>
+              <a:rPr lang="zh-TW" altLang="en-US"/>
               <a:t>第二層</a:t>
             </a:r>
           </a:p>
           <a:p>
             <a:pPr lvl="2"/>
             <a:r>
-              <a:rPr lang="zh-TW" altLang="en-US" smtClean="0"/>
+              <a:rPr lang="zh-TW" altLang="en-US"/>
               <a:t>第三層</a:t>
             </a:r>
           </a:p>
           <a:p>
             <a:pPr lvl="3"/>
             <a:r>
-              <a:rPr lang="zh-TW" altLang="en-US" smtClean="0"/>
+              <a:rPr lang="zh-TW" altLang="en-US"/>
               <a:t>第四層</a:t>
             </a:r>
           </a:p>
           <a:p>
             <a:pPr lvl="4"/>
             <a:r>
-              <a:rPr lang="zh-TW" altLang="en-US" smtClean="0"/>
+              <a:rPr lang="zh-TW" altLang="en-US"/>
               <a:t>第五層</a:t>
             </a:r>
-            <a:endParaRPr lang="zh-TW" altLang="en-US"/>
           </a:p>
         </p:txBody>
       </p:sp>
@@ -4209,38 +4484,37 @@
           <a:p>
             <a:pPr lvl="0"/>
             <a:r>
-              <a:rPr lang="zh-TW" altLang="en-US" smtClean="0"/>
+              <a:rPr lang="zh-TW" altLang="en-US"/>
               <a:t>按一下以編輯母片文字樣式</a:t>
             </a:r>
           </a:p>
           <a:p>
             <a:pPr lvl="1"/>
             <a:r>
-              <a:rPr lang="zh-TW" altLang="en-US" smtClean="0"/>
+              <a:rPr lang="zh-TW" altLang="en-US"/>
               <a:t>第二層</a:t>
             </a:r>
           </a:p>
           <a:p>
             <a:pPr lvl="2"/>
             <a:r>
-              <a:rPr lang="zh-TW" altLang="en-US" smtClean="0"/>
+              <a:rPr lang="zh-TW" altLang="en-US"/>
               <a:t>第三層</a:t>
             </a:r>
           </a:p>
           <a:p>
             <a:pPr lvl="3"/>
             <a:r>
-              <a:rPr lang="zh-TW" altLang="en-US" smtClean="0"/>
+              <a:rPr lang="zh-TW" altLang="en-US"/>
               <a:t>第四層</a:t>
             </a:r>
           </a:p>
           <a:p>
             <a:pPr lvl="4"/>
             <a:r>
-              <a:rPr lang="zh-TW" altLang="en-US" smtClean="0"/>
+              <a:rPr lang="zh-TW" altLang="en-US"/>
               <a:t>第五層</a:t>
             </a:r>
-            <a:endParaRPr lang="zh-TW" altLang="en-US"/>
           </a:p>
         </p:txBody>
       </p:sp>
@@ -4373,10 +4647,9 @@
           </a:lstStyle>
           <a:p>
             <a:r>
-              <a:rPr lang="zh-TW" altLang="en-US" smtClean="0"/>
+              <a:rPr lang="zh-TW" altLang="en-US"/>
               <a:t>按一下以編輯母片標題樣式</a:t>
             </a:r>
-            <a:endParaRPr lang="zh-TW" altLang="en-US"/>
           </a:p>
         </p:txBody>
       </p:sp>
@@ -4439,7 +4712,7 @@
           <a:p>
             <a:pPr lvl="0"/>
             <a:r>
-              <a:rPr lang="zh-TW" altLang="en-US" smtClean="0"/>
+              <a:rPr lang="zh-TW" altLang="en-US"/>
               <a:t>按一下以編輯母片文字樣式</a:t>
             </a:r>
           </a:p>
@@ -4495,38 +4768,37 @@
           <a:p>
             <a:pPr lvl="0"/>
             <a:r>
-              <a:rPr lang="zh-TW" altLang="en-US" smtClean="0"/>
+              <a:rPr lang="zh-TW" altLang="en-US"/>
               <a:t>按一下以編輯母片文字樣式</a:t>
             </a:r>
           </a:p>
           <a:p>
             <a:pPr lvl="1"/>
             <a:r>
-              <a:rPr lang="zh-TW" altLang="en-US" smtClean="0"/>
+              <a:rPr lang="zh-TW" altLang="en-US"/>
               <a:t>第二層</a:t>
             </a:r>
           </a:p>
           <a:p>
             <a:pPr lvl="2"/>
             <a:r>
-              <a:rPr lang="zh-TW" altLang="en-US" smtClean="0"/>
+              <a:rPr lang="zh-TW" altLang="en-US"/>
               <a:t>第三層</a:t>
             </a:r>
           </a:p>
           <a:p>
             <a:pPr lvl="3"/>
             <a:r>
-              <a:rPr lang="zh-TW" altLang="en-US" smtClean="0"/>
+              <a:rPr lang="zh-TW" altLang="en-US"/>
               <a:t>第四層</a:t>
             </a:r>
           </a:p>
           <a:p>
             <a:pPr lvl="4"/>
             <a:r>
-              <a:rPr lang="zh-TW" altLang="en-US" smtClean="0"/>
+              <a:rPr lang="zh-TW" altLang="en-US"/>
               <a:t>第五層</a:t>
             </a:r>
-            <a:endParaRPr lang="zh-TW" altLang="en-US"/>
           </a:p>
         </p:txBody>
       </p:sp>
@@ -4589,7 +4861,7 @@
           <a:p>
             <a:pPr lvl="0"/>
             <a:r>
-              <a:rPr lang="zh-TW" altLang="en-US" smtClean="0"/>
+              <a:rPr lang="zh-TW" altLang="en-US"/>
               <a:t>按一下以編輯母片文字樣式</a:t>
             </a:r>
           </a:p>
@@ -4645,38 +4917,37 @@
           <a:p>
             <a:pPr lvl="0"/>
             <a:r>
-              <a:rPr lang="zh-TW" altLang="en-US" smtClean="0"/>
+              <a:rPr lang="zh-TW" altLang="en-US"/>
               <a:t>按一下以編輯母片文字樣式</a:t>
             </a:r>
           </a:p>
           <a:p>
             <a:pPr lvl="1"/>
             <a:r>
-              <a:rPr lang="zh-TW" altLang="en-US" smtClean="0"/>
+              <a:rPr lang="zh-TW" altLang="en-US"/>
               <a:t>第二層</a:t>
             </a:r>
           </a:p>
           <a:p>
             <a:pPr lvl="2"/>
             <a:r>
-              <a:rPr lang="zh-TW" altLang="en-US" smtClean="0"/>
+              <a:rPr lang="zh-TW" altLang="en-US"/>
               <a:t>第三層</a:t>
             </a:r>
           </a:p>
           <a:p>
             <a:pPr lvl="3"/>
             <a:r>
-              <a:rPr lang="zh-TW" altLang="en-US" smtClean="0"/>
+              <a:rPr lang="zh-TW" altLang="en-US"/>
               <a:t>第四層</a:t>
             </a:r>
           </a:p>
           <a:p>
             <a:pPr lvl="4"/>
             <a:r>
-              <a:rPr lang="zh-TW" altLang="en-US" smtClean="0"/>
+              <a:rPr lang="zh-TW" altLang="en-US"/>
               <a:t>第五層</a:t>
             </a:r>
-            <a:endParaRPr lang="zh-TW" altLang="en-US"/>
           </a:p>
         </p:txBody>
       </p:sp>
@@ -4800,10 +5071,9 @@
           <a:lstStyle/>
           <a:p>
             <a:r>
-              <a:rPr lang="zh-TW" altLang="en-US" smtClean="0"/>
+              <a:rPr lang="zh-TW" altLang="en-US"/>
               <a:t>按一下以編輯母片標題樣式</a:t>
             </a:r>
-            <a:endParaRPr lang="zh-TW" altLang="en-US"/>
           </a:p>
         </p:txBody>
       </p:sp>
@@ -5040,10 +5310,9 @@
           </a:lstStyle>
           <a:p>
             <a:r>
-              <a:rPr lang="zh-TW" altLang="en-US" smtClean="0"/>
+              <a:rPr lang="zh-TW" altLang="en-US"/>
               <a:t>按一下以編輯母片標題樣式</a:t>
             </a:r>
-            <a:endParaRPr lang="zh-TW" altLang="en-US"/>
           </a:p>
         </p:txBody>
       </p:sp>
@@ -5097,38 +5366,37 @@
           <a:p>
             <a:pPr lvl="0"/>
             <a:r>
-              <a:rPr lang="zh-TW" altLang="en-US" smtClean="0"/>
+              <a:rPr lang="zh-TW" altLang="en-US"/>
               <a:t>按一下以編輯母片文字樣式</a:t>
             </a:r>
           </a:p>
           <a:p>
             <a:pPr lvl="1"/>
             <a:r>
-              <a:rPr lang="zh-TW" altLang="en-US" smtClean="0"/>
+              <a:rPr lang="zh-TW" altLang="en-US"/>
               <a:t>第二層</a:t>
             </a:r>
           </a:p>
           <a:p>
             <a:pPr lvl="2"/>
             <a:r>
-              <a:rPr lang="zh-TW" altLang="en-US" smtClean="0"/>
+              <a:rPr lang="zh-TW" altLang="en-US"/>
               <a:t>第三層</a:t>
             </a:r>
           </a:p>
           <a:p>
             <a:pPr lvl="3"/>
             <a:r>
-              <a:rPr lang="zh-TW" altLang="en-US" smtClean="0"/>
+              <a:rPr lang="zh-TW" altLang="en-US"/>
               <a:t>第四層</a:t>
             </a:r>
           </a:p>
           <a:p>
             <a:pPr lvl="4"/>
             <a:r>
-              <a:rPr lang="zh-TW" altLang="en-US" smtClean="0"/>
+              <a:rPr lang="zh-TW" altLang="en-US"/>
               <a:t>第五層</a:t>
             </a:r>
-            <a:endParaRPr lang="zh-TW" altLang="en-US"/>
           </a:p>
         </p:txBody>
       </p:sp>
@@ -5191,7 +5459,7 @@
           <a:p>
             <a:pPr lvl="0"/>
             <a:r>
-              <a:rPr lang="zh-TW" altLang="en-US" smtClean="0"/>
+              <a:rPr lang="zh-TW" altLang="en-US"/>
               <a:t>按一下以編輯母片文字樣式</a:t>
             </a:r>
           </a:p>
@@ -5326,10 +5594,9 @@
           </a:lstStyle>
           <a:p>
             <a:r>
-              <a:rPr lang="zh-TW" altLang="en-US" smtClean="0"/>
+              <a:rPr lang="zh-TW" altLang="en-US"/>
               <a:t>按一下以編輯母片標題樣式</a:t>
             </a:r>
-            <a:endParaRPr lang="zh-TW" altLang="en-US"/>
           </a:p>
         </p:txBody>
       </p:sp>
@@ -5453,7 +5720,7 @@
           <a:p>
             <a:pPr lvl="0"/>
             <a:r>
-              <a:rPr lang="zh-TW" altLang="en-US" smtClean="0"/>
+              <a:rPr lang="zh-TW" altLang="en-US"/>
               <a:t>按一下以編輯母片文字樣式</a:t>
             </a:r>
           </a:p>
@@ -5637,7 +5904,7 @@
           <a:p>
             <a:pPr lvl="0"/>
             <a:r>
-              <a:rPr lang="en-US" altLang="zh-TW" smtClean="0"/>
+              <a:rPr lang="en-US" altLang="zh-TW"/>
               <a:t>Click to edit Master title style</a:t>
             </a:r>
           </a:p>
@@ -5705,35 +5972,35 @@
           <a:p>
             <a:pPr lvl="0"/>
             <a:r>
-              <a:rPr lang="en-US" altLang="zh-TW" smtClean="0"/>
+              <a:rPr lang="en-US" altLang="zh-TW"/>
               <a:t> Click to edit Master text styles</a:t>
             </a:r>
           </a:p>
           <a:p>
             <a:pPr lvl="1"/>
             <a:r>
-              <a:rPr lang="en-US" altLang="zh-TW" smtClean="0"/>
+              <a:rPr lang="en-US" altLang="zh-TW"/>
               <a:t> Second level</a:t>
             </a:r>
           </a:p>
           <a:p>
             <a:pPr lvl="2"/>
             <a:r>
-              <a:rPr lang="en-US" altLang="zh-TW" smtClean="0"/>
+              <a:rPr lang="en-US" altLang="zh-TW"/>
               <a:t> Third level</a:t>
             </a:r>
           </a:p>
           <a:p>
             <a:pPr lvl="3"/>
             <a:r>
-              <a:rPr lang="en-US" altLang="zh-TW" smtClean="0"/>
+              <a:rPr lang="en-US" altLang="zh-TW"/>
               <a:t> Fourth level</a:t>
             </a:r>
           </a:p>
           <a:p>
             <a:pPr lvl="4"/>
             <a:r>
-              <a:rPr lang="en-US" altLang="zh-TW" smtClean="0"/>
+              <a:rPr lang="en-US" altLang="zh-TW"/>
               <a:t> Fifth level</a:t>
             </a:r>
           </a:p>
@@ -6527,13 +6794,6 @@
   <p:clrMapOvr>
     <a:masterClrMapping/>
   </p:clrMapOvr>
-  <p:timing>
-    <p:tnLst>
-      <p:par>
-        <p:cTn id="1" dur="indefinite" restart="never" nodeType="tmRoot"/>
-      </p:par>
-    </p:tnLst>
-  </p:timing>
 </p:sld>
 </file>
 
@@ -6708,13 +6968,6 @@
   <p:clrMapOvr>
     <a:masterClrMapping/>
   </p:clrMapOvr>
-  <p:timing>
-    <p:tnLst>
-      <p:par>
-        <p:cTn id="1" dur="indefinite" restart="never" nodeType="tmRoot"/>
-      </p:par>
-    </p:tnLst>
-  </p:timing>
 </p:sld>
 </file>
 
@@ -6802,13 +7055,6 @@
   <p:clrMapOvr>
     <a:masterClrMapping/>
   </p:clrMapOvr>
-  <p:timing>
-    <p:tnLst>
-      <p:par>
-        <p:cTn id="1" dur="indefinite" restart="never" nodeType="tmRoot"/>
-      </p:par>
-    </p:tnLst>
-  </p:timing>
 </p:sld>
 </file>
 
@@ -6994,13 +7240,6 @@
   <p:clrMapOvr>
     <a:masterClrMapping/>
   </p:clrMapOvr>
-  <p:timing>
-    <p:tnLst>
-      <p:par>
-        <p:cTn id="1" dur="indefinite" restart="never" nodeType="tmRoot"/>
-      </p:par>
-    </p:tnLst>
-  </p:timing>
 </p:sld>
 </file>
 
@@ -7130,13 +7369,6 @@
   <p:clrMapOvr>
     <a:masterClrMapping/>
   </p:clrMapOvr>
-  <p:timing>
-    <p:tnLst>
-      <p:par>
-        <p:cTn id="1" dur="indefinite" restart="never" nodeType="tmRoot"/>
-      </p:par>
-    </p:tnLst>
-  </p:timing>
 </p:sld>
 </file>
 
@@ -7303,13 +7535,6 @@
   <p:clrMapOvr>
     <a:masterClrMapping/>
   </p:clrMapOvr>
-  <p:timing>
-    <p:tnLst>
-      <p:par>
-        <p:cTn id="1" dur="indefinite" restart="never" nodeType="tmRoot"/>
-      </p:par>
-    </p:tnLst>
-  </p:timing>
 </p:sld>
 </file>
 
@@ -7455,13 +7680,6 @@
   <p:clrMapOvr>
     <a:masterClrMapping/>
   </p:clrMapOvr>
-  <p:timing>
-    <p:tnLst>
-      <p:par>
-        <p:cTn id="1" dur="indefinite" restart="never" nodeType="tmRoot"/>
-      </p:par>
-    </p:tnLst>
-  </p:timing>
 </p:sld>
 </file>
 
@@ -7534,11 +7752,11 @@
               <a:buNone/>
             </a:pPr>
             <a:r>
-              <a:rPr lang="en-US" altLang="zh-TW" sz="2800"/>
+              <a:rPr lang="en-US" altLang="zh-TW" sz="2800" dirty="0"/>
               <a:t>	</a:t>
             </a:r>
             <a:r>
-              <a:rPr lang="en-US" altLang="zh-TW" sz="2800">
+              <a:rPr lang="en-US" altLang="zh-TW" sz="2800" dirty="0">
                 <a:latin typeface="Courier New" pitchFamily="49" charset="0"/>
               </a:rPr>
               <a:t>CREATE TABLE Drinkers (</a:t>
@@ -7550,7 +7768,7 @@
               <a:buNone/>
             </a:pPr>
             <a:r>
-              <a:rPr lang="en-US" altLang="zh-TW" sz="2800">
+              <a:rPr lang="en-US" altLang="zh-TW" sz="2800" dirty="0">
                 <a:latin typeface="Courier New" pitchFamily="49" charset="0"/>
               </a:rPr>
               <a:t>		name  CHAR(30) PRIMARY KEY,</a:t>
@@ -7562,26 +7780,38 @@
               <a:buNone/>
             </a:pPr>
             <a:r>
-              <a:rPr lang="en-US" altLang="zh-TW" sz="2800">
+              <a:rPr lang="en-US" altLang="zh-TW" sz="2800" dirty="0">
                 <a:latin typeface="Courier New" pitchFamily="49" charset="0"/>
               </a:rPr>
-              <a:t>		addr  CHAR(50) DEFAULT ‘</a:t>
-            </a:r>
-            <a:r>
-              <a:rPr lang="zh-TW" altLang="en-US" sz="2800">
+              <a:t>		</a:t>
+            </a:r>
+            <a:r>
+              <a:rPr lang="en-US" altLang="zh-TW" sz="2800" dirty="0" err="1">
+                <a:latin typeface="Courier New" pitchFamily="49" charset="0"/>
+              </a:rPr>
+              <a:t>addr</a:t>
+            </a:r>
+            <a:r>
+              <a:rPr lang="en-US" altLang="zh-TW" sz="2800" dirty="0">
+                <a:latin typeface="Courier New" pitchFamily="49" charset="0"/>
+              </a:rPr>
+              <a:t>  CHAR(50) DEFAULT ‘</a:t>
+            </a:r>
+            <a:r>
+              <a:rPr lang="zh-TW" altLang="en-US" sz="2800" dirty="0">
                 <a:latin typeface="Courier New" pitchFamily="49" charset="0"/>
                 <a:ea typeface="標楷體" pitchFamily="65" charset="-120"/>
               </a:rPr>
               <a:t>鳳凰號</a:t>
             </a:r>
             <a:r>
-              <a:rPr lang="zh-TW" altLang="en-US" sz="2800">
+              <a:rPr lang="zh-TW" altLang="en-US" sz="2800" dirty="0">
                 <a:latin typeface="Courier New" pitchFamily="49" charset="0"/>
               </a:rPr>
               <a:t>’</a:t>
             </a:r>
             <a:r>
-              <a:rPr lang="en-US" altLang="zh-TW" sz="2800">
+              <a:rPr lang="en-US" altLang="zh-TW" sz="2800" dirty="0">
                 <a:latin typeface="Courier New" pitchFamily="49" charset="0"/>
               </a:rPr>
               <a:t>,</a:t>
@@ -7593,7 +7823,7 @@
               <a:buNone/>
             </a:pPr>
             <a:r>
-              <a:rPr lang="en-US" altLang="zh-TW" sz="2800">
+              <a:rPr lang="en-US" altLang="zh-TW" sz="2800" dirty="0">
                 <a:latin typeface="Courier New" pitchFamily="49" charset="0"/>
               </a:rPr>
               <a:t>		phone CHAR(16)</a:t>
@@ -7605,7 +7835,7 @@
               <a:buNone/>
             </a:pPr>
             <a:r>
-              <a:rPr lang="en-US" altLang="zh-TW" sz="2800">
+              <a:rPr lang="en-US" altLang="zh-TW" sz="2800" dirty="0">
                 <a:latin typeface="Courier New" pitchFamily="49" charset="0"/>
               </a:rPr>
               <a:t>	);</a:t>
@@ -7618,13 +7848,6 @@
   <p:clrMapOvr>
     <a:masterClrMapping/>
   </p:clrMapOvr>
-  <p:timing>
-    <p:tnLst>
-      <p:par>
-        <p:cTn id="1" dur="indefinite" restart="never" nodeType="tmRoot"/>
-      </p:par>
-    </p:tnLst>
-  </p:timing>
 </p:sld>
 </file>
 
@@ -7799,13 +8022,6 @@
   <p:clrMapOvr>
     <a:masterClrMapping/>
   </p:clrMapOvr>
-  <p:timing>
-    <p:tnLst>
-      <p:par>
-        <p:cTn id="1" dur="indefinite" restart="never" nodeType="tmRoot"/>
-      </p:par>
-    </p:tnLst>
-  </p:timing>
 </p:sld>
 </file>
 
@@ -8201,13 +8417,6 @@
   <p:clrMapOvr>
     <a:masterClrMapping/>
   </p:clrMapOvr>
-  <p:timing>
-    <p:tnLst>
-      <p:par>
-        <p:cTn id="1" dur="indefinite" restart="never" nodeType="tmRoot"/>
-      </p:par>
-    </p:tnLst>
-  </p:timing>
 </p:sld>
 </file>
 
@@ -8376,13 +8585,6 @@
   <p:clrMapOvr>
     <a:masterClrMapping/>
   </p:clrMapOvr>
-  <p:timing>
-    <p:tnLst>
-      <p:par>
-        <p:cTn id="1" dur="indefinite" restart="never" nodeType="tmRoot"/>
-      </p:par>
-    </p:tnLst>
-  </p:timing>
 </p:sld>
 </file>
 
@@ -10223,13 +10425,6 @@
   <p:clrMapOvr>
     <a:masterClrMapping/>
   </p:clrMapOvr>
-  <p:timing>
-    <p:tnLst>
-      <p:par>
-        <p:cTn id="1" dur="indefinite" restart="never" nodeType="tmRoot"/>
-      </p:par>
-    </p:tnLst>
-  </p:timing>
 </p:sld>
 </file>
 
@@ -10404,13 +10599,6 @@
   <p:clrMapOvr>
     <a:masterClrMapping/>
   </p:clrMapOvr>
-  <p:timing>
-    <p:tnLst>
-      <p:par>
-        <p:cTn id="1" dur="indefinite" restart="never" nodeType="tmRoot"/>
-      </p:par>
-    </p:tnLst>
-  </p:timing>
 </p:sld>
 </file>
 
@@ -10663,13 +10851,6 @@
   <p:clrMapOvr>
     <a:masterClrMapping/>
   </p:clrMapOvr>
-  <p:timing>
-    <p:tnLst>
-      <p:par>
-        <p:cTn id="1" dur="indefinite" restart="never" nodeType="tmRoot"/>
-      </p:par>
-    </p:tnLst>
-  </p:timing>
 </p:sld>
 </file>
 
@@ -10821,13 +11002,6 @@
   <p:clrMapOvr>
     <a:masterClrMapping/>
   </p:clrMapOvr>
-  <p:timing>
-    <p:tnLst>
-      <p:par>
-        <p:cTn id="1" dur="indefinite" restart="never" nodeType="tmRoot"/>
-      </p:par>
-    </p:tnLst>
-  </p:timing>
 </p:sld>
 </file>
 
@@ -10959,13 +11133,6 @@
   <p:clrMapOvr>
     <a:masterClrMapping/>
   </p:clrMapOvr>
-  <p:timing>
-    <p:tnLst>
-      <p:par>
-        <p:cTn id="1" dur="indefinite" restart="never" nodeType="tmRoot"/>
-      </p:par>
-    </p:tnLst>
-  </p:timing>
 </p:sld>
 </file>
 
@@ -11685,13 +11852,6 @@
   <p:clrMapOvr>
     <a:masterClrMapping/>
   </p:clrMapOvr>
-  <p:timing>
-    <p:tnLst>
-      <p:par>
-        <p:cTn id="1" dur="indefinite" restart="never" nodeType="tmRoot"/>
-      </p:par>
-    </p:tnLst>
-  </p:timing>
 </p:sld>
 </file>
 
@@ -11814,13 +11974,6 @@
   <p:clrMapOvr>
     <a:masterClrMapping/>
   </p:clrMapOvr>
-  <p:timing>
-    <p:tnLst>
-      <p:par>
-        <p:cTn id="1" dur="indefinite" restart="never" nodeType="tmRoot"/>
-      </p:par>
-    </p:tnLst>
-  </p:timing>
 </p:sld>
 </file>
 
@@ -12558,13 +12711,6 @@
   <p:clrMapOvr>
     <a:masterClrMapping/>
   </p:clrMapOvr>
-  <p:timing>
-    <p:tnLst>
-      <p:par>
-        <p:cTn id="1" dur="indefinite" restart="never" nodeType="tmRoot"/>
-      </p:par>
-    </p:tnLst>
-  </p:timing>
 </p:sld>
 </file>
 
@@ -12680,13 +12826,6 @@
   <p:clrMapOvr>
     <a:masterClrMapping/>
   </p:clrMapOvr>
-  <p:timing>
-    <p:tnLst>
-      <p:par>
-        <p:cTn id="1" dur="indefinite" restart="never" nodeType="tmRoot"/>
-      </p:par>
-    </p:tnLst>
-  </p:timing>
 </p:sld>
 </file>
 
@@ -12797,13 +12936,6 @@
   <p:clrMapOvr>
     <a:masterClrMapping/>
   </p:clrMapOvr>
-  <p:timing>
-    <p:tnLst>
-      <p:par>
-        <p:cTn id="1" dur="indefinite" restart="never" nodeType="tmRoot"/>
-      </p:par>
-    </p:tnLst>
-  </p:timing>
 </p:sld>
 </file>
 
@@ -12863,7 +12995,7 @@
         </p:nvSpPr>
         <p:spPr>
           <a:xfrm>
-            <a:off x="900113" y="1844675"/>
+            <a:off x="900113" y="1961728"/>
             <a:ext cx="7772400" cy="4419600"/>
           </a:xfrm>
         </p:spPr>
@@ -12877,7 +13009,7 @@
               </a:lnSpc>
             </a:pPr>
             <a:r>
-              <a:rPr lang="en-US" altLang="zh-TW"/>
+              <a:rPr lang="en-US" altLang="zh-TW" dirty="0"/>
               <a:t>The principal element is a pair consisting of an attribute and a type.</a:t>
             </a:r>
           </a:p>
@@ -12888,7 +13020,7 @@
               </a:lnSpc>
             </a:pPr>
             <a:r>
-              <a:rPr lang="en-US" altLang="zh-TW"/>
+              <a:rPr lang="en-US" altLang="zh-TW" dirty="0"/>
               <a:t>The most common types are:</a:t>
             </a:r>
           </a:p>
@@ -12899,7 +13031,7 @@
               </a:lnSpc>
             </a:pPr>
             <a:r>
-              <a:rPr lang="en-US" altLang="zh-TW"/>
+              <a:rPr lang="en-US" altLang="zh-TW" dirty="0"/>
               <a:t>INT or INTEGER (synonyms).</a:t>
             </a:r>
           </a:p>
@@ -12910,7 +13042,7 @@
               </a:lnSpc>
             </a:pPr>
             <a:r>
-              <a:rPr lang="en-US" altLang="zh-TW"/>
+              <a:rPr lang="en-US" altLang="zh-TW" dirty="0"/>
               <a:t>REAL or FLOAT (synonyms).</a:t>
             </a:r>
           </a:p>
@@ -12921,23 +13053,23 @@
               </a:lnSpc>
             </a:pPr>
             <a:r>
-              <a:rPr lang="en-US" altLang="zh-TW"/>
+              <a:rPr lang="en-US" altLang="zh-TW" dirty="0"/>
               <a:t>CHAR(</a:t>
             </a:r>
             <a:r>
-              <a:rPr lang="en-US" altLang="zh-TW" i="1"/>
+              <a:rPr lang="en-US" altLang="zh-TW" i="1" dirty="0"/>
               <a:t>n</a:t>
             </a:r>
             <a:r>
-              <a:rPr lang="en-US" altLang="zh-TW"/>
+              <a:rPr lang="en-US" altLang="zh-TW" dirty="0"/>
               <a:t> ) = fixed-length string of </a:t>
             </a:r>
             <a:r>
-              <a:rPr lang="en-US" altLang="zh-TW" i="1"/>
+              <a:rPr lang="en-US" altLang="zh-TW" i="1" dirty="0"/>
               <a:t>n</a:t>
             </a:r>
             <a:r>
-              <a:rPr lang="en-US" altLang="zh-TW"/>
+              <a:rPr lang="en-US" altLang="zh-TW" dirty="0"/>
               <a:t>  characters.</a:t>
             </a:r>
           </a:p>
@@ -12948,23 +13080,23 @@
               </a:lnSpc>
             </a:pPr>
             <a:r>
-              <a:rPr lang="en-US" altLang="zh-TW"/>
+              <a:rPr lang="en-US" altLang="zh-TW" dirty="0"/>
               <a:t>VARCHAR(</a:t>
             </a:r>
             <a:r>
-              <a:rPr lang="en-US" altLang="zh-TW" i="1"/>
+              <a:rPr lang="en-US" altLang="zh-TW" i="1" dirty="0"/>
               <a:t>n</a:t>
             </a:r>
             <a:r>
-              <a:rPr lang="en-US" altLang="zh-TW"/>
+              <a:rPr lang="en-US" altLang="zh-TW" dirty="0"/>
               <a:t> ) = variable-length string of up to </a:t>
             </a:r>
             <a:r>
-              <a:rPr lang="en-US" altLang="zh-TW" i="1"/>
+              <a:rPr lang="en-US" altLang="zh-TW" i="1" dirty="0"/>
               <a:t>n</a:t>
             </a:r>
             <a:r>
-              <a:rPr lang="en-US" altLang="zh-TW"/>
+              <a:rPr lang="en-US" altLang="zh-TW" dirty="0"/>
               <a:t>  characters.</a:t>
             </a:r>
           </a:p>
@@ -12975,13 +13107,6 @@
   <p:clrMapOvr>
     <a:masterClrMapping/>
   </p:clrMapOvr>
-  <p:timing>
-    <p:tnLst>
-      <p:par>
-        <p:cTn id="1" dur="indefinite" restart="never" nodeType="tmRoot"/>
-      </p:par>
-    </p:tnLst>
-  </p:timing>
 </p:sld>
 </file>
 
@@ -13114,13 +13239,6 @@
   <p:clrMapOvr>
     <a:masterClrMapping/>
   </p:clrMapOvr>
-  <p:timing>
-    <p:tnLst>
-      <p:par>
-        <p:cTn id="1" dur="indefinite" restart="never" nodeType="tmRoot"/>
-      </p:par>
-    </p:tnLst>
-  </p:timing>
 </p:sld>
 </file>
 
@@ -13306,13 +13424,6 @@
   <p:clrMapOvr>
     <a:masterClrMapping/>
   </p:clrMapOvr>
-  <p:timing>
-    <p:tnLst>
-      <p:par>
-        <p:cTn id="1" dur="indefinite" restart="never" nodeType="tmRoot"/>
-      </p:par>
-    </p:tnLst>
-  </p:timing>
 </p:sld>
 </file>
 
@@ -13483,13 +13594,6 @@
   <p:clrMapOvr>
     <a:masterClrMapping/>
   </p:clrMapOvr>
-  <p:timing>
-    <p:tnLst>
-      <p:par>
-        <p:cTn id="1" dur="indefinite" restart="never" nodeType="tmRoot"/>
-      </p:par>
-    </p:tnLst>
-  </p:timing>
 </p:sld>
 </file>
 
@@ -13617,13 +13721,6 @@
   <p:clrMapOvr>
     <a:masterClrMapping/>
   </p:clrMapOvr>
-  <p:timing>
-    <p:tnLst>
-      <p:par>
-        <p:cTn id="1" dur="indefinite" restart="never" nodeType="tmRoot"/>
-      </p:par>
-    </p:tnLst>
-  </p:timing>
 </p:sld>
 </file>
 
